--- a/PatternTemplate/misoka/Lasso_Question.pptx
+++ b/PatternTemplate/misoka/Lasso_Question.pptx
@@ -112,7 +112,7 @@
   </p:defaultTextStyle>
   <p:extLst>
     <p:ext uri="{EFAFB233-063F-42B5-8137-9DF3F51BA10A}">
-      <p15:sldGuideLst xmlns="" xmlns:p15="http://schemas.microsoft.com/office/powerpoint/2012/main">
+      <p15:sldGuideLst xmlns:p15="http://schemas.microsoft.com/office/powerpoint/2012/main" xmlns="">
         <p15:guide id="1" orient="horz" pos="2160">
           <p15:clr>
             <a:srgbClr val="A4A3A4"/>
@@ -4162,7 +4162,7 @@
           <p:cNvPr id="3" name="四角形: 角を丸くする 2">
             <a:extLst>
               <a:ext uri="{FF2B5EF4-FFF2-40B4-BE49-F238E27FC236}">
-                <a16:creationId xmlns="" xmlns:a16="http://schemas.microsoft.com/office/drawing/2014/main" id="{C3F5136E-6A33-4842-B32C-6BA2B1C4FFBD}"/>
+                <a16:creationId xmlns:a16="http://schemas.microsoft.com/office/drawing/2014/main" xmlns="" id="{C3F5136E-6A33-4842-B32C-6BA2B1C4FFBD}"/>
               </a:ext>
             </a:extLst>
           </p:cNvPr>
@@ -4284,7 +4284,7 @@
           <p:cNvPr id="6" name="コンテンツ プレースホルダー 5">
             <a:extLst>
               <a:ext uri="{FF2B5EF4-FFF2-40B4-BE49-F238E27FC236}">
-                <a16:creationId xmlns="" xmlns:a16="http://schemas.microsoft.com/office/drawing/2014/main" id="{1B06F57E-77F8-4643-819F-D4D500447ABD}"/>
+                <a16:creationId xmlns:a16="http://schemas.microsoft.com/office/drawing/2014/main" xmlns="" id="{1B06F57E-77F8-4643-819F-D4D500447ABD}"/>
               </a:ext>
             </a:extLst>
           </p:cNvPr>
@@ -4333,7 +4333,7 @@
           <p:cNvPr id="9" name="テキスト ボックス 8">
             <a:extLst>
               <a:ext uri="{FF2B5EF4-FFF2-40B4-BE49-F238E27FC236}">
-                <a16:creationId xmlns="" xmlns:a16="http://schemas.microsoft.com/office/drawing/2014/main" id="{D394F4F3-E855-4C5E-95B0-F503EA581D47}"/>
+                <a16:creationId xmlns:a16="http://schemas.microsoft.com/office/drawing/2014/main" xmlns="" id="{D394F4F3-E855-4C5E-95B0-F503EA581D47}"/>
               </a:ext>
             </a:extLst>
           </p:cNvPr>
@@ -4427,7 +4427,7 @@
           <p:cNvPr id="12" name="四角形: 角を丸くする 6">
             <a:extLst>
               <a:ext uri="{FF2B5EF4-FFF2-40B4-BE49-F238E27FC236}">
-                <a16:creationId xmlns="" xmlns:a16="http://schemas.microsoft.com/office/drawing/2014/main" id="{5FC110D5-236F-40C0-BEE7-F5736E6FC0C8}"/>
+                <a16:creationId xmlns:a16="http://schemas.microsoft.com/office/drawing/2014/main" xmlns="" id="{5FC110D5-236F-40C0-BEE7-F5736E6FC0C8}"/>
               </a:ext>
             </a:extLst>
           </p:cNvPr>
@@ -4556,7 +4556,7 @@
           <p:cNvPr id="6" name="コンテンツ プレースホルダー 5">
             <a:extLst>
               <a:ext uri="{FF2B5EF4-FFF2-40B4-BE49-F238E27FC236}">
-                <a16:creationId xmlns="" xmlns:a16="http://schemas.microsoft.com/office/drawing/2014/main" id="{1B06F57E-77F8-4643-819F-D4D500447ABD}"/>
+                <a16:creationId xmlns:a16="http://schemas.microsoft.com/office/drawing/2014/main" xmlns="" id="{1B06F57E-77F8-4643-819F-D4D500447ABD}"/>
               </a:ext>
             </a:extLst>
           </p:cNvPr>
@@ -4773,7 +4773,7 @@
           <p:cNvPr id="7" name="テキスト ボックス 6">
             <a:extLst>
               <a:ext uri="{FF2B5EF4-FFF2-40B4-BE49-F238E27FC236}">
-                <a16:creationId xmlns="" xmlns:a16="http://schemas.microsoft.com/office/drawing/2014/main" id="{88A9E56B-C7D0-49EF-951D-8D1E0638BBCC}"/>
+                <a16:creationId xmlns:a16="http://schemas.microsoft.com/office/drawing/2014/main" xmlns="" id="{88A9E56B-C7D0-49EF-951D-8D1E0638BBCC}"/>
               </a:ext>
             </a:extLst>
           </p:cNvPr>
@@ -4809,7 +4809,7 @@
           <p:cNvPr id="8" name="表 7">
             <a:extLst>
               <a:ext uri="{FF2B5EF4-FFF2-40B4-BE49-F238E27FC236}">
-                <a16:creationId xmlns="" xmlns:a16="http://schemas.microsoft.com/office/drawing/2014/main" id="{9D1889B6-DDDD-48DE-A4D4-77E429CEEB5C}"/>
+                <a16:creationId xmlns:a16="http://schemas.microsoft.com/office/drawing/2014/main" xmlns="" id="{9D1889B6-DDDD-48DE-A4D4-77E429CEEB5C}"/>
               </a:ext>
             </a:extLst>
           </p:cNvPr>
@@ -4819,7 +4819,7 @@
           <p:nvPr>
             <p:extLst>
               <p:ext uri="{D42A27DB-BD31-4B8C-83A1-F6EECF244321}">
-                <p14:modId xmlns:p14="http://schemas.microsoft.com/office/powerpoint/2010/main" val="1030044673"/>
+                <p14:modId xmlns:p14="http://schemas.microsoft.com/office/powerpoint/2010/main" val="2043622188"/>
               </p:ext>
             </p:extLst>
           </p:nvPr>
@@ -4838,21 +4838,21 @@
                 <a:gridCol w="2242592">
                   <a:extLst>
                     <a:ext uri="{9D8B030D-6E8A-4147-A177-3AD203B41FA5}">
-                      <a16:colId xmlns="" xmlns:a16="http://schemas.microsoft.com/office/drawing/2014/main" val="3012398545"/>
+                      <a16:colId xmlns:a16="http://schemas.microsoft.com/office/drawing/2014/main" xmlns="" val="3012398545"/>
                     </a:ext>
                   </a:extLst>
                 </a:gridCol>
                 <a:gridCol w="3240360">
                   <a:extLst>
                     <a:ext uri="{9D8B030D-6E8A-4147-A177-3AD203B41FA5}">
-                      <a16:colId xmlns="" xmlns:a16="http://schemas.microsoft.com/office/drawing/2014/main" val="1722919845"/>
+                      <a16:colId xmlns:a16="http://schemas.microsoft.com/office/drawing/2014/main" xmlns="" val="1722919845"/>
                     </a:ext>
                   </a:extLst>
                 </a:gridCol>
                 <a:gridCol w="2901007">
                   <a:extLst>
                     <a:ext uri="{9D8B030D-6E8A-4147-A177-3AD203B41FA5}">
-                      <a16:colId xmlns="" xmlns:a16="http://schemas.microsoft.com/office/drawing/2014/main" val="58760268"/>
+                      <a16:colId xmlns:a16="http://schemas.microsoft.com/office/drawing/2014/main" xmlns="" val="58760268"/>
                     </a:ext>
                   </a:extLst>
                 </a:gridCol>
@@ -4920,7 +4920,7 @@
                 </a:tc>
                 <a:extLst>
                   <a:ext uri="{0D108BD9-81ED-4DB2-BD59-A6C34878D82A}">
-                    <a16:rowId xmlns="" xmlns:a16="http://schemas.microsoft.com/office/drawing/2014/main" val="1514527757"/>
+                    <a16:rowId xmlns:a16="http://schemas.microsoft.com/office/drawing/2014/main" xmlns="" val="1514527757"/>
                   </a:ext>
                 </a:extLst>
               </a:tr>
@@ -4945,18 +4945,25 @@
                     <a:p>
                       <a:r>
                         <a:rPr kumimoji="1" lang="ja-JP" altLang="en-US" dirty="0"/>
-                        <a:t>ファイル名：</a:t>
+                        <a:t>ファイル名</a:t>
                       </a:r>
                       <a:r>
-                        <a:rPr kumimoji="1" lang="en-US" altLang="ja-JP" sz="1600" dirty="0"/>
-                        <a:t>winequality-red.csv</a:t>
+                        <a:rPr kumimoji="1" lang="ja-JP" altLang="en-US" dirty="0" smtClean="0"/>
+                        <a:t>：</a:t>
                       </a:r>
-                      <a:endParaRPr kumimoji="1" lang="en-US" altLang="ja-JP" dirty="0"/>
+                      <a:r>
+                        <a:rPr kumimoji="1" lang="en-US" altLang="ja-JP" sz="1600" smtClean="0"/>
+                        <a:t>dataset_Facebook.csv</a:t>
+                      </a:r>
                     </a:p>
                     <a:p>
                       <a:r>
+                        <a:rPr kumimoji="1" lang="ja-JP" altLang="en-US" dirty="0" smtClean="0"/>
+                        <a:t>レコード</a:t>
+                      </a:r>
+                      <a:r>
                         <a:rPr kumimoji="1" lang="ja-JP" altLang="en-US" dirty="0"/>
-                        <a:t>レコード総数</a:t>
+                        <a:t>総数</a:t>
                       </a:r>
                       <a:r>
                         <a:rPr kumimoji="1" lang="ja-JP" altLang="en-US" dirty="0" smtClean="0"/>
@@ -5012,7 +5019,7 @@
                 </a:tc>
                 <a:extLst>
                   <a:ext uri="{0D108BD9-81ED-4DB2-BD59-A6C34878D82A}">
-                    <a16:rowId xmlns="" xmlns:a16="http://schemas.microsoft.com/office/drawing/2014/main" val="3939096713"/>
+                    <a16:rowId xmlns:a16="http://schemas.microsoft.com/office/drawing/2014/main" xmlns="" val="3939096713"/>
                   </a:ext>
                 </a:extLst>
               </a:tr>
@@ -5096,7 +5103,7 @@
                 </a:tc>
                 <a:extLst>
                   <a:ext uri="{0D108BD9-81ED-4DB2-BD59-A6C34878D82A}">
-                    <a16:rowId xmlns="" xmlns:a16="http://schemas.microsoft.com/office/drawing/2014/main" val="3750743575"/>
+                    <a16:rowId xmlns:a16="http://schemas.microsoft.com/office/drawing/2014/main" xmlns="" val="3750743575"/>
                   </a:ext>
                 </a:extLst>
               </a:tr>
@@ -5140,7 +5147,7 @@
                 </a:tc>
                 <a:extLst>
                   <a:ext uri="{0D108BD9-81ED-4DB2-BD59-A6C34878D82A}">
-                    <a16:rowId xmlns="" xmlns:a16="http://schemas.microsoft.com/office/drawing/2014/main" val="1041685932"/>
+                    <a16:rowId xmlns:a16="http://schemas.microsoft.com/office/drawing/2014/main" xmlns="" val="1041685932"/>
                   </a:ext>
                 </a:extLst>
               </a:tr>
@@ -5221,7 +5228,7 @@
                 </a:tc>
                 <a:extLst>
                   <a:ext uri="{0D108BD9-81ED-4DB2-BD59-A6C34878D82A}">
-                    <a16:rowId xmlns="" xmlns:a16="http://schemas.microsoft.com/office/drawing/2014/main" val="369812538"/>
+                    <a16:rowId xmlns:a16="http://schemas.microsoft.com/office/drawing/2014/main" xmlns="" val="369812538"/>
                   </a:ext>
                 </a:extLst>
               </a:tr>
